--- a/0 - Compte Rendu/Présentation DIPTRACK.pptx
+++ b/0 - Compte Rendu/Présentation DIPTRACK.pptx
@@ -13107,6 +13107,19 @@
             </a:pPr>
             <a:r>
               <a:rPr lang="fr-FR" sz="1200" dirty="0"/>
+              <a:t>Les enseignants n’y ont </a:t>
+            </a:r>
+            <a:r>
+              <a:rPr lang="fr-FR" sz="1200" b="1" dirty="0"/>
+              <a:t>pas accès</a:t>
+            </a:r>
+          </a:p>
+          <a:p>
+            <a:pPr marL="468000" lvl="2" indent="-171450" algn="just">
+              <a:buSzPct val="70000"/>
+            </a:pPr>
+            <a:r>
+              <a:rPr lang="fr-FR" sz="1200" dirty="0"/>
               <a:t>Logiciel </a:t>
             </a:r>
             <a:r>
@@ -13274,7 +13287,7 @@
             </a:r>
             <a:r>
               <a:rPr lang="fr-FR" sz="1200" dirty="0"/>
-              <a:t>tout en y ajouter </a:t>
+              <a:t>tout en y ajoutant </a:t>
             </a:r>
             <a:r>
               <a:rPr lang="fr-FR" sz="1200" b="1" dirty="0"/>
@@ -13330,24 +13343,11 @@
             </a:pPr>
             <a:r>
               <a:rPr lang="fr-FR" sz="1200" b="1" dirty="0"/>
-              <a:t>Notifications</a:t>
+              <a:t>Publication des notes </a:t>
             </a:r>
             <a:r>
               <a:rPr lang="fr-FR" sz="1200" dirty="0"/>
-              <a:t> par mail</a:t>
-            </a:r>
-          </a:p>
-          <a:p>
-            <a:pPr marL="468000" lvl="2" indent="-171450" algn="just">
-              <a:buSzPct val="70000"/>
-            </a:pPr>
-            <a:r>
-              <a:rPr lang="fr-FR" sz="1200" b="1" dirty="0"/>
-              <a:t>Import/Export </a:t>
-            </a:r>
-            <a:r>
-              <a:rPr lang="fr-FR" sz="1200" dirty="0"/>
-              <a:t>d'Excel</a:t>
+              <a:t>(Notification mail)</a:t>
             </a:r>
           </a:p>
           <a:p>
@@ -13502,7 +13502,7 @@
             <a:endParaRPr lang="en" b="1" dirty="0"/>
           </a:p>
           <a:p>
-            <a:pPr lvl="0" algn="just" rtl="0">
+            <a:pPr lvl="0" rtl="0">
               <a:spcBef>
                 <a:spcPts val="0"/>
               </a:spcBef>
@@ -13510,7 +13510,7 @@
             </a:pPr>
             <a:r>
               <a:rPr lang="fr-FR" sz="1200" dirty="0"/>
-              <a:t>Environnement de développement intégré le plus utilisé dans la programmation JAVA</a:t>
+              <a:t>Environnement de développement libre le plus utilisé dans la programmation JAVA</a:t>
             </a:r>
             <a:endParaRPr lang="en" sz="1200" dirty="0"/>
           </a:p>
@@ -13806,13 +13806,13 @@
             <a:endParaRPr lang="en" b="1" dirty="0"/>
           </a:p>
           <a:p>
-            <a:pPr algn="just">
+            <a:pPr>
               <a:buFont typeface="Karla"/>
               <a:buNone/>
             </a:pPr>
             <a:r>
               <a:rPr lang="fr-FR" sz="1200" dirty="0"/>
-              <a:t>Framework libre permettant de construire et définir l’infrastructure d’une application java, dont il facilite les tests</a:t>
+              <a:t>Framework J2EE libre permettant de développer des applications à l’aide de module tels que Spring MVC et Spring Web</a:t>
             </a:r>
             <a:endParaRPr lang="en" sz="1200" dirty="0"/>
           </a:p>
@@ -14108,13 +14108,13 @@
             <a:endParaRPr lang="en" b="1" dirty="0"/>
           </a:p>
           <a:p>
-            <a:pPr algn="just">
+            <a:pPr>
               <a:buFont typeface="Karla"/>
               <a:buNone/>
             </a:pPr>
             <a:r>
               <a:rPr lang="fr-FR" sz="1200" dirty="0"/>
-              <a:t>Service web d’hébergement et de gestion de développement de logiciels</a:t>
+              <a:t>Service web d’hébergement et de gestion de version décentralisé</a:t>
             </a:r>
             <a:endParaRPr lang="en" sz="1200" dirty="0"/>
           </a:p>
@@ -14410,7 +14410,7 @@
             <a:endParaRPr lang="en" b="1" dirty="0"/>
           </a:p>
           <a:p>
-            <a:pPr algn="just">
+            <a:pPr>
               <a:buFont typeface="Karla"/>
               <a:buNone/>
             </a:pPr>
@@ -14712,7 +14712,7 @@
             <a:endParaRPr lang="en" b="1" dirty="0"/>
           </a:p>
           <a:p>
-            <a:pPr algn="just">
+            <a:pPr>
               <a:buFont typeface="Karla"/>
               <a:buNone/>
             </a:pPr>
@@ -15014,7 +15014,7 @@
             <a:endParaRPr lang="en" b="1" dirty="0"/>
           </a:p>
           <a:p>
-            <a:pPr algn="just">
+            <a:pPr>
               <a:buFont typeface="Karla"/>
               <a:buNone/>
             </a:pPr>
@@ -15091,7 +15091,7 @@
         </p:blipFill>
         <p:spPr>
           <a:xfrm>
-            <a:off x="195436" y="3344450"/>
+            <a:off x="195436" y="3286546"/>
             <a:ext cx="591289" cy="587087"/>
           </a:xfrm>
           <a:prstGeom prst="rect">

--- a/0 - Compte Rendu/Présentation DIPTRACK.pptx
+++ b/0 - Compte Rendu/Présentation DIPTRACK.pptx
@@ -15452,7 +15452,7 @@
       </p:pic>
       <p:pic>
         <p:nvPicPr>
-          <p:cNvPr id="3074" name="Picture 2" descr="1 - Use Case Diagram - Général">
+          <p:cNvPr id="3074" name="Picture 2">
             <a:extLst>
               <a:ext uri="{FF2B5EF4-FFF2-40B4-BE49-F238E27FC236}">
                 <a16:creationId xmlns:a16="http://schemas.microsoft.com/office/drawing/2014/main" id="{C89C8F59-A87C-4C74-9D24-EE984B6078D7}"/>
@@ -15465,22 +15465,15 @@
           <p:nvPr/>
         </p:nvPicPr>
         <p:blipFill>
-          <a:blip r:embed="rId4">
-            <a:extLst>
-              <a:ext uri="{28A0092B-C50C-407E-A947-70E740481C1C}">
-                <a14:useLocalDpi xmlns:a14="http://schemas.microsoft.com/office/drawing/2010/main" val="0"/>
-              </a:ext>
-            </a:extLst>
-          </a:blip>
-          <a:srcRect/>
+          <a:blip r:embed="rId4"/>
           <a:stretch>
             <a:fillRect/>
           </a:stretch>
         </p:blipFill>
         <p:spPr bwMode="auto">
           <a:xfrm>
-            <a:off x="2466609" y="79319"/>
-            <a:ext cx="5741889" cy="5080521"/>
+            <a:off x="2596732" y="62979"/>
+            <a:ext cx="5737734" cy="5080521"/>
           </a:xfrm>
           <a:prstGeom prst="rect">
             <a:avLst/>

--- a/0 - Compte Rendu/Présentation DIPTRACK.pptx
+++ b/0 - Compte Rendu/Présentation DIPTRACK.pptx
@@ -15775,6 +15775,267 @@
           </a:p>
         </p:txBody>
       </p:sp>
+      <p:grpSp>
+        <p:nvGrpSpPr>
+          <p:cNvPr id="4" name="Groupe 3">
+            <a:extLst>
+              <a:ext uri="{FF2B5EF4-FFF2-40B4-BE49-F238E27FC236}">
+                <a16:creationId xmlns:a16="http://schemas.microsoft.com/office/drawing/2014/main" id="{3FD1E14A-3408-4F7F-ADF5-FA269880D6AA}"/>
+              </a:ext>
+            </a:extLst>
+          </p:cNvPr>
+          <p:cNvGrpSpPr/>
+          <p:nvPr/>
+        </p:nvGrpSpPr>
+        <p:grpSpPr>
+          <a:xfrm>
+            <a:off x="7455078" y="4264266"/>
+            <a:ext cx="1287672" cy="338554"/>
+            <a:chOff x="314619" y="1107251"/>
+            <a:chExt cx="1287672" cy="338554"/>
+          </a:xfrm>
+        </p:grpSpPr>
+        <p:pic>
+          <p:nvPicPr>
+            <p:cNvPr id="2" name="Image 1">
+              <a:extLst>
+                <a:ext uri="{FF2B5EF4-FFF2-40B4-BE49-F238E27FC236}">
+                  <a16:creationId xmlns:a16="http://schemas.microsoft.com/office/drawing/2014/main" id="{F434B4C0-FD1D-4A53-8643-427AB01B40C3}"/>
+                </a:ext>
+              </a:extLst>
+            </p:cNvPr>
+            <p:cNvPicPr>
+              <a:picLocks noChangeAspect="1"/>
+            </p:cNvPicPr>
+            <p:nvPr/>
+          </p:nvPicPr>
+          <p:blipFill>
+            <a:blip r:embed="rId5"/>
+            <a:stretch>
+              <a:fillRect/>
+            </a:stretch>
+          </p:blipFill>
+          <p:spPr>
+            <a:xfrm>
+              <a:off x="314619" y="1172827"/>
+              <a:ext cx="195788" cy="238180"/>
+            </a:xfrm>
+            <a:prstGeom prst="rect">
+              <a:avLst/>
+            </a:prstGeom>
+          </p:spPr>
+        </p:pic>
+        <p:sp>
+          <p:nvSpPr>
+            <p:cNvPr id="3" name="ZoneTexte 2">
+              <a:extLst>
+                <a:ext uri="{FF2B5EF4-FFF2-40B4-BE49-F238E27FC236}">
+                  <a16:creationId xmlns:a16="http://schemas.microsoft.com/office/drawing/2014/main" id="{D56A6C9E-5827-45A7-821A-959D87B5F07E}"/>
+                </a:ext>
+              </a:extLst>
+            </p:cNvPr>
+            <p:cNvSpPr txBox="1"/>
+            <p:nvPr/>
+          </p:nvSpPr>
+          <p:spPr>
+            <a:xfrm>
+              <a:off x="510406" y="1107251"/>
+              <a:ext cx="1091885" cy="338554"/>
+            </a:xfrm>
+            <a:prstGeom prst="rect">
+              <a:avLst/>
+            </a:prstGeom>
+            <a:noFill/>
+          </p:spPr>
+          <p:txBody>
+            <a:bodyPr wrap="square" rtlCol="0">
+              <a:spAutoFit/>
+            </a:bodyPr>
+            <a:lstStyle/>
+            <a:p>
+              <a:pPr algn="ctr"/>
+              <a:r>
+                <a:rPr lang="fr-FR" sz="800" b="1" dirty="0"/>
+                <a:t>Fonctionnalité non développée</a:t>
+              </a:r>
+            </a:p>
+          </p:txBody>
+        </p:sp>
+      </p:grpSp>
+      <p:grpSp>
+        <p:nvGrpSpPr>
+          <p:cNvPr id="8" name="Groupe 7">
+            <a:extLst>
+              <a:ext uri="{FF2B5EF4-FFF2-40B4-BE49-F238E27FC236}">
+                <a16:creationId xmlns:a16="http://schemas.microsoft.com/office/drawing/2014/main" id="{D3964DE3-D31E-43D5-B0E8-E1BE1380D4F7}"/>
+              </a:ext>
+            </a:extLst>
+          </p:cNvPr>
+          <p:cNvGrpSpPr/>
+          <p:nvPr/>
+        </p:nvGrpSpPr>
+        <p:grpSpPr>
+          <a:xfrm>
+            <a:off x="7369567" y="3967671"/>
+            <a:ext cx="1373183" cy="215444"/>
+            <a:chOff x="229106" y="1160356"/>
+            <a:chExt cx="1373183" cy="215444"/>
+          </a:xfrm>
+        </p:grpSpPr>
+        <p:pic>
+          <p:nvPicPr>
+            <p:cNvPr id="10" name="Image 9">
+              <a:extLst>
+                <a:ext uri="{FF2B5EF4-FFF2-40B4-BE49-F238E27FC236}">
+                  <a16:creationId xmlns:a16="http://schemas.microsoft.com/office/drawing/2014/main" id="{BEDB8794-B544-4291-AF6C-125D7DB74F56}"/>
+                </a:ext>
+              </a:extLst>
+            </p:cNvPr>
+            <p:cNvPicPr>
+              <a:picLocks noChangeAspect="1"/>
+            </p:cNvPicPr>
+            <p:nvPr/>
+          </p:nvPicPr>
+          <p:blipFill>
+            <a:blip r:embed="rId6"/>
+            <a:stretch>
+              <a:fillRect/>
+            </a:stretch>
+          </p:blipFill>
+          <p:spPr>
+            <a:xfrm>
+              <a:off x="229106" y="1176547"/>
+              <a:ext cx="366812" cy="191958"/>
+            </a:xfrm>
+            <a:prstGeom prst="rect">
+              <a:avLst/>
+            </a:prstGeom>
+          </p:spPr>
+        </p:pic>
+        <p:sp>
+          <p:nvSpPr>
+            <p:cNvPr id="11" name="ZoneTexte 10">
+              <a:extLst>
+                <a:ext uri="{FF2B5EF4-FFF2-40B4-BE49-F238E27FC236}">
+                  <a16:creationId xmlns:a16="http://schemas.microsoft.com/office/drawing/2014/main" id="{A5AD4C64-7B4B-448C-9DE9-3D05B27542B4}"/>
+                </a:ext>
+              </a:extLst>
+            </p:cNvPr>
+            <p:cNvSpPr txBox="1"/>
+            <p:nvPr/>
+          </p:nvSpPr>
+          <p:spPr>
+            <a:xfrm>
+              <a:off x="510404" y="1160356"/>
+              <a:ext cx="1091885" cy="215444"/>
+            </a:xfrm>
+            <a:prstGeom prst="rect">
+              <a:avLst/>
+            </a:prstGeom>
+            <a:noFill/>
+          </p:spPr>
+          <p:txBody>
+            <a:bodyPr wrap="square" rtlCol="0">
+              <a:spAutoFit/>
+            </a:bodyPr>
+            <a:lstStyle/>
+            <a:p>
+              <a:pPr algn="ctr"/>
+              <a:r>
+                <a:rPr lang="fr-FR" sz="800" b="1" dirty="0"/>
+                <a:t>Fonctionnalité</a:t>
+              </a:r>
+            </a:p>
+          </p:txBody>
+        </p:sp>
+      </p:grpSp>
+      <p:grpSp>
+        <p:nvGrpSpPr>
+          <p:cNvPr id="12" name="Groupe 11">
+            <a:extLst>
+              <a:ext uri="{FF2B5EF4-FFF2-40B4-BE49-F238E27FC236}">
+                <a16:creationId xmlns:a16="http://schemas.microsoft.com/office/drawing/2014/main" id="{7D502FBB-1F65-4E63-A5AF-E89F4719F743}"/>
+              </a:ext>
+            </a:extLst>
+          </p:cNvPr>
+          <p:cNvGrpSpPr/>
+          <p:nvPr/>
+        </p:nvGrpSpPr>
+        <p:grpSpPr>
+          <a:xfrm>
+            <a:off x="7432966" y="3499961"/>
+            <a:ext cx="1070865" cy="340315"/>
+            <a:chOff x="292507" y="1104595"/>
+            <a:chExt cx="1070865" cy="340315"/>
+          </a:xfrm>
+        </p:grpSpPr>
+        <p:pic>
+          <p:nvPicPr>
+            <p:cNvPr id="13" name="Image 12">
+              <a:extLst>
+                <a:ext uri="{FF2B5EF4-FFF2-40B4-BE49-F238E27FC236}">
+                  <a16:creationId xmlns:a16="http://schemas.microsoft.com/office/drawing/2014/main" id="{29D0BBEF-BB7E-4A39-B2C4-2D3B077DC3FA}"/>
+                </a:ext>
+              </a:extLst>
+            </p:cNvPr>
+            <p:cNvPicPr>
+              <a:picLocks noChangeAspect="1"/>
+            </p:cNvPicPr>
+            <p:nvPr/>
+          </p:nvPicPr>
+          <p:blipFill>
+            <a:blip r:embed="rId7"/>
+            <a:stretch>
+              <a:fillRect/>
+            </a:stretch>
+          </p:blipFill>
+          <p:spPr>
+            <a:xfrm>
+              <a:off x="292507" y="1104595"/>
+              <a:ext cx="240011" cy="340315"/>
+            </a:xfrm>
+            <a:prstGeom prst="rect">
+              <a:avLst/>
+            </a:prstGeom>
+          </p:spPr>
+        </p:pic>
+        <p:sp>
+          <p:nvSpPr>
+            <p:cNvPr id="14" name="ZoneTexte 13">
+              <a:extLst>
+                <a:ext uri="{FF2B5EF4-FFF2-40B4-BE49-F238E27FC236}">
+                  <a16:creationId xmlns:a16="http://schemas.microsoft.com/office/drawing/2014/main" id="{24D1E03E-ABBF-40F9-89A0-BCC15F8198B8}"/>
+                </a:ext>
+              </a:extLst>
+            </p:cNvPr>
+            <p:cNvSpPr txBox="1"/>
+            <p:nvPr/>
+          </p:nvSpPr>
+          <p:spPr>
+            <a:xfrm>
+              <a:off x="749323" y="1208564"/>
+              <a:ext cx="614049" cy="215444"/>
+            </a:xfrm>
+            <a:prstGeom prst="rect">
+              <a:avLst/>
+            </a:prstGeom>
+            <a:noFill/>
+          </p:spPr>
+          <p:txBody>
+            <a:bodyPr wrap="square" rtlCol="0">
+              <a:spAutoFit/>
+            </a:bodyPr>
+            <a:lstStyle/>
+            <a:p>
+              <a:pPr algn="ctr"/>
+              <a:r>
+                <a:rPr lang="fr-FR" sz="800" b="1" dirty="0"/>
+                <a:t>Acteur</a:t>
+              </a:r>
+            </a:p>
+          </p:txBody>
+        </p:sp>
+      </p:grpSp>
     </p:spTree>
     <p:extLst>
       <p:ext uri="{BB962C8B-B14F-4D97-AF65-F5344CB8AC3E}">
@@ -16116,21 +16377,15 @@
           <p:nvPr/>
         </p:nvPicPr>
         <p:blipFill>
-          <a:blip r:embed="rId4">
-            <a:extLst>
-              <a:ext uri="{28A0092B-C50C-407E-A947-70E740481C1C}">
-                <a14:useLocalDpi xmlns:a14="http://schemas.microsoft.com/office/drawing/2010/main" val="0"/>
-              </a:ext>
-            </a:extLst>
-          </a:blip>
+          <a:blip r:embed="rId4"/>
           <a:stretch>
             <a:fillRect/>
           </a:stretch>
         </p:blipFill>
         <p:spPr bwMode="auto">
           <a:xfrm>
-            <a:off x="1677987" y="265112"/>
-            <a:ext cx="6519545" cy="4613275"/>
+            <a:off x="1288206" y="531926"/>
+            <a:ext cx="7407330" cy="4267005"/>
           </a:xfrm>
           <a:prstGeom prst="rect">
             <a:avLst/>
@@ -16141,6 +16396,267 @@
           </a:ln>
         </p:spPr>
       </p:pic>
+      <p:grpSp>
+        <p:nvGrpSpPr>
+          <p:cNvPr id="6" name="Groupe 5">
+            <a:extLst>
+              <a:ext uri="{FF2B5EF4-FFF2-40B4-BE49-F238E27FC236}">
+                <a16:creationId xmlns:a16="http://schemas.microsoft.com/office/drawing/2014/main" id="{DB6D35D6-E17C-47BF-B9B0-7EDB01C32CC7}"/>
+              </a:ext>
+            </a:extLst>
+          </p:cNvPr>
+          <p:cNvGrpSpPr/>
+          <p:nvPr/>
+        </p:nvGrpSpPr>
+        <p:grpSpPr>
+          <a:xfrm>
+            <a:off x="7611481" y="4068878"/>
+            <a:ext cx="1467749" cy="257631"/>
+            <a:chOff x="297486" y="1085399"/>
+            <a:chExt cx="1467749" cy="257631"/>
+          </a:xfrm>
+        </p:grpSpPr>
+        <p:pic>
+          <p:nvPicPr>
+            <p:cNvPr id="7" name="Image 6">
+              <a:extLst>
+                <a:ext uri="{FF2B5EF4-FFF2-40B4-BE49-F238E27FC236}">
+                  <a16:creationId xmlns:a16="http://schemas.microsoft.com/office/drawing/2014/main" id="{EAA566D5-43BA-45EF-97CF-827159570149}"/>
+                </a:ext>
+              </a:extLst>
+            </p:cNvPr>
+            <p:cNvPicPr>
+              <a:picLocks noChangeAspect="1"/>
+            </p:cNvPicPr>
+            <p:nvPr/>
+          </p:nvPicPr>
+          <p:blipFill>
+            <a:blip r:embed="rId5"/>
+            <a:stretch>
+              <a:fillRect/>
+            </a:stretch>
+          </p:blipFill>
+          <p:spPr>
+            <a:xfrm>
+              <a:off x="297486" y="1085399"/>
+              <a:ext cx="544700" cy="257631"/>
+            </a:xfrm>
+            <a:prstGeom prst="rect">
+              <a:avLst/>
+            </a:prstGeom>
+          </p:spPr>
+        </p:pic>
+        <p:sp>
+          <p:nvSpPr>
+            <p:cNvPr id="8" name="ZoneTexte 7">
+              <a:extLst>
+                <a:ext uri="{FF2B5EF4-FFF2-40B4-BE49-F238E27FC236}">
+                  <a16:creationId xmlns:a16="http://schemas.microsoft.com/office/drawing/2014/main" id="{0428B1D9-7DC9-47F0-9318-71C2484430EE}"/>
+                </a:ext>
+              </a:extLst>
+            </p:cNvPr>
+            <p:cNvSpPr txBox="1"/>
+            <p:nvPr/>
+          </p:nvSpPr>
+          <p:spPr>
+            <a:xfrm>
+              <a:off x="673350" y="1113489"/>
+              <a:ext cx="1091885" cy="215444"/>
+            </a:xfrm>
+            <a:prstGeom prst="rect">
+              <a:avLst/>
+            </a:prstGeom>
+            <a:noFill/>
+          </p:spPr>
+          <p:txBody>
+            <a:bodyPr wrap="square" rtlCol="0">
+              <a:spAutoFit/>
+            </a:bodyPr>
+            <a:lstStyle/>
+            <a:p>
+              <a:pPr algn="ctr"/>
+              <a:r>
+                <a:rPr lang="fr-FR" sz="800" b="1" dirty="0"/>
+                <a:t>Enumération</a:t>
+              </a:r>
+            </a:p>
+          </p:txBody>
+        </p:sp>
+      </p:grpSp>
+      <p:grpSp>
+        <p:nvGrpSpPr>
+          <p:cNvPr id="10" name="Groupe 9">
+            <a:extLst>
+              <a:ext uri="{FF2B5EF4-FFF2-40B4-BE49-F238E27FC236}">
+                <a16:creationId xmlns:a16="http://schemas.microsoft.com/office/drawing/2014/main" id="{7EB9985F-1006-4192-A130-7913788AA8BF}"/>
+              </a:ext>
+            </a:extLst>
+          </p:cNvPr>
+          <p:cNvGrpSpPr/>
+          <p:nvPr/>
+        </p:nvGrpSpPr>
+        <p:grpSpPr>
+          <a:xfrm>
+            <a:off x="7611481" y="3720820"/>
+            <a:ext cx="1467749" cy="233168"/>
+            <a:chOff x="297486" y="1152617"/>
+            <a:chExt cx="1467749" cy="233168"/>
+          </a:xfrm>
+        </p:grpSpPr>
+        <p:pic>
+          <p:nvPicPr>
+            <p:cNvPr id="11" name="Image 10">
+              <a:extLst>
+                <a:ext uri="{FF2B5EF4-FFF2-40B4-BE49-F238E27FC236}">
+                  <a16:creationId xmlns:a16="http://schemas.microsoft.com/office/drawing/2014/main" id="{2AE66FEC-4CF3-48D0-8776-774194767514}"/>
+                </a:ext>
+              </a:extLst>
+            </p:cNvPr>
+            <p:cNvPicPr>
+              <a:picLocks noChangeAspect="1"/>
+            </p:cNvPicPr>
+            <p:nvPr/>
+          </p:nvPicPr>
+          <p:blipFill>
+            <a:blip r:embed="rId6"/>
+            <a:stretch>
+              <a:fillRect/>
+            </a:stretch>
+          </p:blipFill>
+          <p:spPr>
+            <a:xfrm>
+              <a:off x="297486" y="1152617"/>
+              <a:ext cx="544700" cy="233168"/>
+            </a:xfrm>
+            <a:prstGeom prst="rect">
+              <a:avLst/>
+            </a:prstGeom>
+          </p:spPr>
+        </p:pic>
+        <p:sp>
+          <p:nvSpPr>
+            <p:cNvPr id="12" name="ZoneTexte 11">
+              <a:extLst>
+                <a:ext uri="{FF2B5EF4-FFF2-40B4-BE49-F238E27FC236}">
+                  <a16:creationId xmlns:a16="http://schemas.microsoft.com/office/drawing/2014/main" id="{CD72DE0D-BAC0-438A-8208-AF312DAF5E95}"/>
+                </a:ext>
+              </a:extLst>
+            </p:cNvPr>
+            <p:cNvSpPr txBox="1"/>
+            <p:nvPr/>
+          </p:nvSpPr>
+          <p:spPr>
+            <a:xfrm>
+              <a:off x="673350" y="1162645"/>
+              <a:ext cx="1091885" cy="215444"/>
+            </a:xfrm>
+            <a:prstGeom prst="rect">
+              <a:avLst/>
+            </a:prstGeom>
+            <a:noFill/>
+          </p:spPr>
+          <p:txBody>
+            <a:bodyPr wrap="square" rtlCol="0">
+              <a:spAutoFit/>
+            </a:bodyPr>
+            <a:lstStyle/>
+            <a:p>
+              <a:pPr algn="ctr"/>
+              <a:r>
+                <a:rPr lang="fr-FR" sz="800" b="1" dirty="0"/>
+                <a:t>Classique</a:t>
+              </a:r>
+            </a:p>
+          </p:txBody>
+        </p:sp>
+      </p:grpSp>
+      <p:grpSp>
+        <p:nvGrpSpPr>
+          <p:cNvPr id="13" name="Groupe 12">
+            <a:extLst>
+              <a:ext uri="{FF2B5EF4-FFF2-40B4-BE49-F238E27FC236}">
+                <a16:creationId xmlns:a16="http://schemas.microsoft.com/office/drawing/2014/main" id="{D40B6909-65A9-4306-AE1D-5A08EC591014}"/>
+              </a:ext>
+            </a:extLst>
+          </p:cNvPr>
+          <p:cNvGrpSpPr/>
+          <p:nvPr/>
+        </p:nvGrpSpPr>
+        <p:grpSpPr>
+          <a:xfrm>
+            <a:off x="7611481" y="3388861"/>
+            <a:ext cx="1425728" cy="236919"/>
+            <a:chOff x="297486" y="1167031"/>
+            <a:chExt cx="1425728" cy="236919"/>
+          </a:xfrm>
+        </p:grpSpPr>
+        <p:pic>
+          <p:nvPicPr>
+            <p:cNvPr id="14" name="Image 13">
+              <a:extLst>
+                <a:ext uri="{FF2B5EF4-FFF2-40B4-BE49-F238E27FC236}">
+                  <a16:creationId xmlns:a16="http://schemas.microsoft.com/office/drawing/2014/main" id="{D47F931C-DE29-49C1-BE62-EEB2F4D61D01}"/>
+                </a:ext>
+              </a:extLst>
+            </p:cNvPr>
+            <p:cNvPicPr>
+              <a:picLocks noChangeAspect="1"/>
+            </p:cNvPicPr>
+            <p:nvPr/>
+          </p:nvPicPr>
+          <p:blipFill>
+            <a:blip r:embed="rId7"/>
+            <a:stretch>
+              <a:fillRect/>
+            </a:stretch>
+          </p:blipFill>
+          <p:spPr>
+            <a:xfrm>
+              <a:off x="297486" y="1176875"/>
+              <a:ext cx="544700" cy="227075"/>
+            </a:xfrm>
+            <a:prstGeom prst="rect">
+              <a:avLst/>
+            </a:prstGeom>
+          </p:spPr>
+        </p:pic>
+        <p:sp>
+          <p:nvSpPr>
+            <p:cNvPr id="15" name="ZoneTexte 14">
+              <a:extLst>
+                <a:ext uri="{FF2B5EF4-FFF2-40B4-BE49-F238E27FC236}">
+                  <a16:creationId xmlns:a16="http://schemas.microsoft.com/office/drawing/2014/main" id="{9B1D6BA5-6E3B-4E04-9E6B-7E64681AD9E3}"/>
+                </a:ext>
+              </a:extLst>
+            </p:cNvPr>
+            <p:cNvSpPr txBox="1"/>
+            <p:nvPr/>
+          </p:nvSpPr>
+          <p:spPr>
+            <a:xfrm>
+              <a:off x="715372" y="1167031"/>
+              <a:ext cx="1007842" cy="215444"/>
+            </a:xfrm>
+            <a:prstGeom prst="rect">
+              <a:avLst/>
+            </a:prstGeom>
+            <a:noFill/>
+          </p:spPr>
+          <p:txBody>
+            <a:bodyPr wrap="square" rtlCol="0">
+              <a:spAutoFit/>
+            </a:bodyPr>
+            <a:lstStyle/>
+            <a:p>
+              <a:pPr algn="ctr"/>
+              <a:r>
+                <a:rPr lang="fr-FR" sz="800" b="1" i="1" dirty="0"/>
+                <a:t>Abstraite</a:t>
+              </a:r>
+            </a:p>
+          </p:txBody>
+        </p:sp>
+      </p:grpSp>
     </p:spTree>
     <p:extLst>
       <p:ext uri="{BB962C8B-B14F-4D97-AF65-F5344CB8AC3E}">

--- a/0 - Compte Rendu/Présentation DIPTRACK.pptx
+++ b/0 - Compte Rendu/Présentation DIPTRACK.pptx
@@ -16,7 +16,7 @@
     <p:sldId id="288" r:id="rId7"/>
     <p:sldId id="290" r:id="rId8"/>
     <p:sldId id="291" r:id="rId9"/>
-    <p:sldId id="292" r:id="rId10"/>
+    <p:sldId id="298" r:id="rId10"/>
     <p:sldId id="293" r:id="rId11"/>
     <p:sldId id="294" r:id="rId12"/>
     <p:sldId id="295" r:id="rId13"/>
@@ -1955,7 +1955,7 @@
     </p:spTree>
     <p:extLst>
       <p:ext uri="{BB962C8B-B14F-4D97-AF65-F5344CB8AC3E}">
-        <p14:creationId xmlns:p14="http://schemas.microsoft.com/office/powerpoint/2010/main" val="3222386751"/>
+        <p14:creationId xmlns:p14="http://schemas.microsoft.com/office/powerpoint/2010/main" val="2150610232"/>
       </p:ext>
     </p:extLst>
   </p:cSld>
@@ -5089,8 +5089,8 @@
         </p:nvSpPr>
         <p:spPr>
           <a:xfrm>
-            <a:off x="252312" y="382669"/>
-            <a:ext cx="2071788" cy="562211"/>
+            <a:off x="2707968" y="178301"/>
+            <a:ext cx="3714777" cy="562211"/>
           </a:xfrm>
           <a:prstGeom prst="rect">
             <a:avLst/>
@@ -5323,27 +5323,14 @@
                   </a:schemeClr>
                 </a:solidFill>
               </a:rPr>
-              <a:t>Diagramme de </a:t>
-            </a:r>
-          </a:p>
-          <a:p>
-            <a:pPr algn="ctr"/>
-            <a:r>
-              <a:rPr lang="fr-FR" b="1" dirty="0">
-                <a:solidFill>
-                  <a:schemeClr val="accent1">
-                    <a:lumMod val="50000"/>
-                  </a:schemeClr>
-                </a:solidFill>
-              </a:rPr>
-              <a:t>Séquences</a:t>
+              <a:t>Diagramme de Séquences</a:t>
             </a:r>
           </a:p>
         </p:txBody>
       </p:sp>
       <p:pic>
         <p:nvPicPr>
-          <p:cNvPr id="5122" name="Picture 2" descr="Création d'une filière">
+          <p:cNvPr id="5122" name="Picture 2">
             <a:extLst>
               <a:ext uri="{FF2B5EF4-FFF2-40B4-BE49-F238E27FC236}">
                 <a16:creationId xmlns:a16="http://schemas.microsoft.com/office/drawing/2014/main" id="{7CD66C85-2357-4931-9F85-5256E91A0D0E}"/>
@@ -5356,22 +5343,15 @@
           <p:nvPr/>
         </p:nvPicPr>
         <p:blipFill>
-          <a:blip r:embed="rId4">
-            <a:extLst>
-              <a:ext uri="{28A0092B-C50C-407E-A947-70E740481C1C}">
-                <a14:useLocalDpi xmlns:a14="http://schemas.microsoft.com/office/drawing/2010/main" val="0"/>
-              </a:ext>
-            </a:extLst>
-          </a:blip>
-          <a:srcRect/>
+          <a:blip r:embed="rId4"/>
           <a:stretch>
             <a:fillRect/>
           </a:stretch>
         </p:blipFill>
         <p:spPr bwMode="auto">
           <a:xfrm>
-            <a:off x="2123123" y="92075"/>
-            <a:ext cx="5753100" cy="5051425"/>
+            <a:off x="794325" y="660298"/>
+            <a:ext cx="7542062" cy="3903984"/>
           </a:xfrm>
           <a:prstGeom prst="rect">
             <a:avLst/>
@@ -5401,6 +5381,50 @@
           </a:extLst>
         </p:spPr>
       </p:pic>
+      <p:sp>
+        <p:nvSpPr>
+          <p:cNvPr id="7" name="ZoneTexte 6">
+            <a:extLst>
+              <a:ext uri="{FF2B5EF4-FFF2-40B4-BE49-F238E27FC236}">
+                <a16:creationId xmlns:a16="http://schemas.microsoft.com/office/drawing/2014/main" id="{04F78129-31AE-4CD8-88C9-58D3FC35E7BF}"/>
+              </a:ext>
+            </a:extLst>
+          </p:cNvPr>
+          <p:cNvSpPr txBox="1"/>
+          <p:nvPr/>
+        </p:nvSpPr>
+        <p:spPr>
+          <a:xfrm>
+            <a:off x="1312043" y="3163779"/>
+            <a:ext cx="1192006" cy="215444"/>
+          </a:xfrm>
+          <a:prstGeom prst="rect">
+            <a:avLst/>
+          </a:prstGeom>
+          <a:noFill/>
+        </p:spPr>
+        <p:txBody>
+          <a:bodyPr wrap="square" rtlCol="0">
+            <a:spAutoFit/>
+          </a:bodyPr>
+          <a:lstStyle/>
+          <a:p>
+            <a:pPr algn="ctr"/>
+            <a:r>
+              <a:rPr lang="fr-FR" sz="800" i="1" dirty="0"/>
+              <a:t>-&gt; Idem pour </a:t>
+            </a:r>
+            <a:r>
+              <a:rPr lang="fr-FR" sz="800" b="1" i="1" dirty="0"/>
+              <a:t>l’UE </a:t>
+            </a:r>
+            <a:r>
+              <a:rPr lang="fr-FR" sz="800" i="1" dirty="0"/>
+              <a:t>…</a:t>
+            </a:r>
+          </a:p>
+        </p:txBody>
+      </p:sp>
     </p:spTree>
     <p:extLst>
       <p:ext uri="{BB962C8B-B14F-4D97-AF65-F5344CB8AC3E}">
@@ -16987,7 +17011,7 @@
       </p:sp>
       <p:pic>
         <p:nvPicPr>
-          <p:cNvPr id="4098" name="Picture 2" descr="Création d'une classe">
+          <p:cNvPr id="4098" name="Picture 2">
             <a:extLst>
               <a:ext uri="{FF2B5EF4-FFF2-40B4-BE49-F238E27FC236}">
                 <a16:creationId xmlns:a16="http://schemas.microsoft.com/office/drawing/2014/main" id="{5946E3A2-4BC6-499A-9C20-1F0FA1D09626}"/>
@@ -17000,22 +17024,15 @@
           <p:nvPr/>
         </p:nvPicPr>
         <p:blipFill>
-          <a:blip r:embed="rId4">
-            <a:extLst>
-              <a:ext uri="{28A0092B-C50C-407E-A947-70E740481C1C}">
-                <a14:useLocalDpi xmlns:a14="http://schemas.microsoft.com/office/drawing/2010/main" val="0"/>
-              </a:ext>
-            </a:extLst>
-          </a:blip>
-          <a:srcRect/>
+          <a:blip r:embed="rId4"/>
           <a:stretch>
             <a:fillRect/>
           </a:stretch>
         </p:blipFill>
         <p:spPr bwMode="auto">
           <a:xfrm>
-            <a:off x="991418" y="1193482"/>
-            <a:ext cx="7159288" cy="3408997"/>
+            <a:off x="2077914" y="161779"/>
+            <a:ext cx="6601852" cy="4818227"/>
           </a:xfrm>
           <a:prstGeom prst="rect">
             <a:avLst/>
@@ -17048,7 +17065,7 @@
     </p:spTree>
     <p:extLst>
       <p:ext uri="{BB962C8B-B14F-4D97-AF65-F5344CB8AC3E}">
-        <p14:creationId xmlns:p14="http://schemas.microsoft.com/office/powerpoint/2010/main" val="3299548517"/>
+        <p14:creationId xmlns:p14="http://schemas.microsoft.com/office/powerpoint/2010/main" val="3282298867"/>
       </p:ext>
     </p:extLst>
   </p:cSld>

--- a/0 - Compte Rendu/Présentation DIPTRACK.pptx
+++ b/0 - Compte Rendu/Présentation DIPTRACK.pptx
@@ -4743,45 +4743,6 @@
       </p:grpSpPr>
       <p:sp>
         <p:nvSpPr>
-          <p:cNvPr id="87" name="Shape 87"/>
-          <p:cNvSpPr txBox="1">
-            <a:spLocks noGrp="1"/>
-          </p:cNvSpPr>
-          <p:nvPr>
-            <p:ph type="ctrTitle"/>
-          </p:nvPr>
-        </p:nvSpPr>
-        <p:spPr>
-          <a:xfrm>
-            <a:off x="1719000" y="2005892"/>
-            <a:ext cx="5705999" cy="1159799"/>
-          </a:xfrm>
-          <a:prstGeom prst="rect">
-            <a:avLst/>
-          </a:prstGeom>
-        </p:spPr>
-        <p:txBody>
-          <a:bodyPr lIns="91425" tIns="91425" rIns="91425" bIns="91425" anchor="ctr" anchorCtr="0">
-            <a:noAutofit/>
-          </a:bodyPr>
-          <a:lstStyle/>
-          <a:p>
-            <a:pPr lvl="0">
-              <a:spcBef>
-                <a:spcPts val="0"/>
-              </a:spcBef>
-              <a:buNone/>
-            </a:pPr>
-            <a:r>
-              <a:rPr lang="fr-FR" sz="5400" dirty="0"/>
-              <a:t>DipTrack</a:t>
-            </a:r>
-            <a:endParaRPr lang="en" sz="5400" dirty="0"/>
-          </a:p>
-        </p:txBody>
-      </p:sp>
-      <p:sp>
-        <p:nvSpPr>
           <p:cNvPr id="3" name="Shape 87">
             <a:extLst>
               <a:ext uri="{FF2B5EF4-FFF2-40B4-BE49-F238E27FC236}">
@@ -5015,6 +4976,127 @@
               <a:rPr lang="fr-FR" sz="1400" dirty="0"/>
               <a:t>Corentin MAPELLA &amp; Glodie TANDU</a:t>
             </a:r>
+          </a:p>
+        </p:txBody>
+      </p:sp>
+      <p:pic>
+        <p:nvPicPr>
+          <p:cNvPr id="4" name="Image 3">
+            <a:extLst>
+              <a:ext uri="{FF2B5EF4-FFF2-40B4-BE49-F238E27FC236}">
+                <a16:creationId xmlns:a16="http://schemas.microsoft.com/office/drawing/2014/main" id="{F986A5A8-ABFE-4354-958F-1E6FA89BA1DF}"/>
+              </a:ext>
+            </a:extLst>
+          </p:cNvPr>
+          <p:cNvPicPr>
+            <a:picLocks noChangeAspect="1"/>
+          </p:cNvPicPr>
+          <p:nvPr/>
+        </p:nvPicPr>
+        <p:blipFill>
+          <a:blip r:embed="rId3"/>
+          <a:stretch>
+            <a:fillRect/>
+          </a:stretch>
+        </p:blipFill>
+        <p:spPr>
+          <a:xfrm>
+            <a:off x="3331908" y="1463040"/>
+            <a:ext cx="2319186" cy="1174653"/>
+          </a:xfrm>
+          <a:prstGeom prst="rect">
+            <a:avLst/>
+          </a:prstGeom>
+        </p:spPr>
+      </p:pic>
+      <p:sp>
+        <p:nvSpPr>
+          <p:cNvPr id="87" name="Shape 87"/>
+          <p:cNvSpPr txBox="1">
+            <a:spLocks noGrp="1"/>
+          </p:cNvSpPr>
+          <p:nvPr>
+            <p:ph type="ctrTitle"/>
+          </p:nvPr>
+        </p:nvSpPr>
+        <p:spPr>
+          <a:xfrm>
+            <a:off x="1718999" y="2005892"/>
+            <a:ext cx="5705999" cy="1159799"/>
+          </a:xfrm>
+          <a:prstGeom prst="rect">
+            <a:avLst/>
+          </a:prstGeom>
+        </p:spPr>
+        <p:txBody>
+          <a:bodyPr lIns="91425" tIns="91425" rIns="91425" bIns="91425" anchor="ctr" anchorCtr="0">
+            <a:noAutofit/>
+          </a:bodyPr>
+          <a:lstStyle/>
+          <a:p>
+            <a:pPr lvl="0">
+              <a:spcBef>
+                <a:spcPts val="0"/>
+              </a:spcBef>
+              <a:buNone/>
+            </a:pPr>
+            <a:r>
+              <a:rPr lang="fr-FR" sz="5400" dirty="0"/>
+              <a:t>DipTrack</a:t>
+            </a:r>
+            <a:endParaRPr lang="en" sz="5400" dirty="0"/>
+          </a:p>
+        </p:txBody>
+      </p:sp>
+      <p:sp>
+        <p:nvSpPr>
+          <p:cNvPr id="5" name="Ellipse 4">
+            <a:extLst>
+              <a:ext uri="{FF2B5EF4-FFF2-40B4-BE49-F238E27FC236}">
+                <a16:creationId xmlns:a16="http://schemas.microsoft.com/office/drawing/2014/main" id="{D5436578-0E8B-43AB-8AFA-31CF45153FE4}"/>
+              </a:ext>
+            </a:extLst>
+          </p:cNvPr>
+          <p:cNvSpPr/>
+          <p:nvPr/>
+        </p:nvSpPr>
+        <p:spPr>
+          <a:xfrm>
+            <a:off x="3642360" y="2336800"/>
+            <a:ext cx="106680" cy="112774"/>
+          </a:xfrm>
+          <a:prstGeom prst="ellipse">
+            <a:avLst/>
+          </a:prstGeom>
+          <a:solidFill>
+            <a:srgbClr val="FE7058"/>
+          </a:solidFill>
+          <a:ln>
+            <a:noFill/>
+          </a:ln>
+        </p:spPr>
+        <p:style>
+          <a:lnRef idx="2">
+            <a:schemeClr val="accent1">
+              <a:shade val="50000"/>
+            </a:schemeClr>
+          </a:lnRef>
+          <a:fillRef idx="1">
+            <a:schemeClr val="accent1"/>
+          </a:fillRef>
+          <a:effectRef idx="0">
+            <a:schemeClr val="accent1"/>
+          </a:effectRef>
+          <a:fontRef idx="minor">
+            <a:schemeClr val="lt1"/>
+          </a:fontRef>
+        </p:style>
+        <p:txBody>
+          <a:bodyPr rtlCol="0" anchor="ctr"/>
+          <a:lstStyle/>
+          <a:p>
+            <a:pPr algn="ctr"/>
+            <a:endParaRPr lang="fr-FR"/>
           </a:p>
         </p:txBody>
       </p:sp>
